--- a/orga/GDIS_Final_Presentation.pptx
+++ b/orga/GDIS_Final_Presentation.pptx
@@ -3964,11 +3964,15 @@
             </a:pPr>
             <a:r>
               <a:rPr lang="en-US" dirty="0"/>
-              <a:t>d</a:t>
+              <a:t>D</a:t>
+            </a:r>
+            <a:r>
+              <a:rPr lang="de-DE"/>
+              <a:t>er </a:t>
             </a:r>
             <a:r>
               <a:rPr lang="de-DE" dirty="0"/>
-              <a:t>er gleiche Bearbeitungsauftrag mehrmals mit verschiedenen Datenkonstellationen getestet werden</a:t>
+              <a:t>gleiche Bearbeitungsauftrag mehrmals mit verschiedenen Datenkonstellationen getestet werden</a:t>
             </a:r>
           </a:p>
           <a:p>

--- a/orga/GDIS_Final_Presentation.pptx
+++ b/orga/GDIS_Final_Presentation.pptx
@@ -5,23 +5,25 @@
     <p:sldMasterId id="2147483738" r:id="rId1"/>
   </p:sldMasterIdLst>
   <p:notesMasterIdLst>
-    <p:notesMasterId r:id="rId13"/>
+    <p:notesMasterId r:id="rId15"/>
   </p:notesMasterIdLst>
   <p:handoutMasterIdLst>
-    <p:handoutMasterId r:id="rId14"/>
+    <p:handoutMasterId r:id="rId16"/>
   </p:handoutMasterIdLst>
   <p:sldIdLst>
     <p:sldId id="256" r:id="rId2"/>
     <p:sldId id="288" r:id="rId3"/>
     <p:sldId id="283" r:id="rId4"/>
     <p:sldId id="266" r:id="rId5"/>
-    <p:sldId id="286" r:id="rId6"/>
-    <p:sldId id="293" r:id="rId7"/>
-    <p:sldId id="290" r:id="rId8"/>
-    <p:sldId id="291" r:id="rId9"/>
-    <p:sldId id="292" r:id="rId10"/>
-    <p:sldId id="289" r:id="rId11"/>
-    <p:sldId id="269" r:id="rId12"/>
+    <p:sldId id="297" r:id="rId6"/>
+    <p:sldId id="286" r:id="rId7"/>
+    <p:sldId id="293" r:id="rId8"/>
+    <p:sldId id="290" r:id="rId9"/>
+    <p:sldId id="291" r:id="rId10"/>
+    <p:sldId id="292" r:id="rId11"/>
+    <p:sldId id="295" r:id="rId12"/>
+    <p:sldId id="289" r:id="rId13"/>
+    <p:sldId id="269" r:id="rId14"/>
   </p:sldIdLst>
   <p:sldSz cx="12192000" cy="6858000"/>
   <p:notesSz cx="7099300" cy="10234613"/>
@@ -300,7 +302,7 @@
               <a:pPr>
                 <a:defRPr/>
               </a:pPr>
-              <a:t>26.07.2017</a:t>
+              <a:t>01.08.2017</a:t>
             </a:fld>
             <a:endParaRPr lang="de-DE" sz="1000" dirty="0">
               <a:latin typeface="Arial" pitchFamily="34" charset="0"/>
@@ -529,7 +531,7 @@
               <a:pPr>
                 <a:defRPr/>
               </a:pPr>
-              <a:t>26.07.2017</a:t>
+              <a:t>01.08.2017</a:t>
             </a:fld>
             <a:endParaRPr lang="de-DE" dirty="0"/>
           </a:p>
@@ -3655,6 +3657,525 @@
       </p:grpSpPr>
       <p:pic>
         <p:nvPicPr>
+          <p:cNvPr id="7" name="Контейнер за съдържание 6">
+            <a:extLst>
+              <a:ext uri="{FF2B5EF4-FFF2-40B4-BE49-F238E27FC236}">
+                <a16:creationId xmlns:a16="http://schemas.microsoft.com/office/drawing/2014/main" id="{C4DE61BF-D6B8-4ABE-A2E1-537E2DBBF7DE}"/>
+              </a:ext>
+            </a:extLst>
+          </p:cNvPr>
+          <p:cNvPicPr>
+            <a:picLocks noGrp="1" noChangeAspect="1"/>
+          </p:cNvPicPr>
+          <p:nvPr>
+            <p:ph sz="quarter" idx="12"/>
+          </p:nvPr>
+        </p:nvPicPr>
+        <p:blipFill>
+          <a:blip r:embed="rId2">
+            <a:extLst>
+              <a:ext uri="{28A0092B-C50C-407E-A947-70E740481C1C}">
+                <a14:useLocalDpi xmlns:a14="http://schemas.microsoft.com/office/drawing/2010/main" val="0"/>
+              </a:ext>
+            </a:extLst>
+          </a:blip>
+          <a:stretch>
+            <a:fillRect/>
+          </a:stretch>
+        </p:blipFill>
+        <p:spPr>
+          <a:xfrm>
+            <a:off x="702366" y="201601"/>
+            <a:ext cx="11098658" cy="2462086"/>
+          </a:xfrm>
+        </p:spPr>
+      </p:pic>
+      <p:sp>
+        <p:nvSpPr>
+          <p:cNvPr id="3" name="Контейнер за долния колонтитул 2">
+            <a:extLst>
+              <a:ext uri="{FF2B5EF4-FFF2-40B4-BE49-F238E27FC236}">
+                <a16:creationId xmlns:a16="http://schemas.microsoft.com/office/drawing/2014/main" id="{47F035C3-1BEE-4458-915D-D49740638CCD}"/>
+              </a:ext>
+            </a:extLst>
+          </p:cNvPr>
+          <p:cNvSpPr>
+            <a:spLocks noGrp="1"/>
+          </p:cNvSpPr>
+          <p:nvPr>
+            <p:ph type="ftr" sz="quarter" idx="13"/>
+          </p:nvPr>
+        </p:nvSpPr>
+        <p:spPr/>
+        <p:txBody>
+          <a:bodyPr/>
+          <a:lstStyle/>
+          <a:p>
+            <a:endParaRPr lang="de-DE" dirty="0"/>
+          </a:p>
+        </p:txBody>
+      </p:sp>
+      <p:sp>
+        <p:nvSpPr>
+          <p:cNvPr id="4" name="Контейнер за номер на слайда 3">
+            <a:extLst>
+              <a:ext uri="{FF2B5EF4-FFF2-40B4-BE49-F238E27FC236}">
+                <a16:creationId xmlns:a16="http://schemas.microsoft.com/office/drawing/2014/main" id="{4372DCD2-D182-4288-A227-ABDFEF18D784}"/>
+              </a:ext>
+            </a:extLst>
+          </p:cNvPr>
+          <p:cNvSpPr>
+            <a:spLocks noGrp="1"/>
+          </p:cNvSpPr>
+          <p:nvPr>
+            <p:ph type="sldNum" sz="quarter" idx="14"/>
+          </p:nvPr>
+        </p:nvSpPr>
+        <p:spPr/>
+        <p:txBody>
+          <a:bodyPr/>
+          <a:lstStyle/>
+          <a:p>
+            <a:fld id="{4506F84E-75D2-4715-B6C6-C971E49CE21A}" type="slidenum">
+              <a:rPr lang="de-DE" smtClean="0"/>
+              <a:pPr/>
+              <a:t>10</a:t>
+            </a:fld>
+            <a:endParaRPr lang="de-DE" dirty="0"/>
+          </a:p>
+        </p:txBody>
+      </p:sp>
+      <p:sp>
+        <p:nvSpPr>
+          <p:cNvPr id="5" name="Контейнер за съдържание 4">
+            <a:extLst>
+              <a:ext uri="{FF2B5EF4-FFF2-40B4-BE49-F238E27FC236}">
+                <a16:creationId xmlns:a16="http://schemas.microsoft.com/office/drawing/2014/main" id="{CD9CD64D-501B-4B27-81A3-A8DD73E006EF}"/>
+              </a:ext>
+            </a:extLst>
+          </p:cNvPr>
+          <p:cNvSpPr>
+            <a:spLocks noGrp="1"/>
+          </p:cNvSpPr>
+          <p:nvPr>
+            <p:ph sz="quarter" idx="15"/>
+          </p:nvPr>
+        </p:nvSpPr>
+        <p:spPr>
+          <a:xfrm>
+            <a:off x="383119" y="3167269"/>
+            <a:ext cx="11417905" cy="2798555"/>
+          </a:xfrm>
+        </p:spPr>
+        <p:txBody>
+          <a:bodyPr/>
+          <a:lstStyle/>
+          <a:p>
+            <a:r>
+              <a:rPr lang="de-DE" dirty="0"/>
+              <a:t>Vorhandene </a:t>
+            </a:r>
+            <a:r>
+              <a:rPr lang="de-DE" dirty="0" err="1"/>
+              <a:t>Entities</a:t>
+            </a:r>
+            <a:r>
+              <a:rPr lang="de-DE" dirty="0"/>
+              <a:t> verwalten</a:t>
+            </a:r>
+            <a:r>
+              <a:rPr lang="en-US" dirty="0"/>
+              <a:t>:</a:t>
+            </a:r>
+          </a:p>
+          <a:p>
+            <a:pPr marL="457200" indent="-457200">
+              <a:buFont typeface="Arial" panose="020B0604020202020204" pitchFamily="34" charset="0"/>
+              <a:buChar char="•"/>
+            </a:pPr>
+            <a:r>
+              <a:rPr lang="en-US" dirty="0" err="1"/>
+              <a:t>ihren</a:t>
+            </a:r>
+            <a:r>
+              <a:rPr lang="en-US" dirty="0"/>
+              <a:t> </a:t>
+            </a:r>
+            <a:r>
+              <a:rPr lang="en-US" dirty="0" err="1"/>
+              <a:t>Namen</a:t>
+            </a:r>
+            <a:r>
+              <a:rPr lang="en-US" dirty="0"/>
+              <a:t> </a:t>
+            </a:r>
+            <a:r>
+              <a:rPr lang="de-DE" dirty="0"/>
+              <a:t>ändern</a:t>
+            </a:r>
+          </a:p>
+          <a:p>
+            <a:pPr marL="457200" indent="-457200">
+              <a:buFont typeface="Arial" panose="020B0604020202020204" pitchFamily="34" charset="0"/>
+              <a:buChar char="•"/>
+            </a:pPr>
+            <a:r>
+              <a:rPr lang="de-DE" dirty="0"/>
+              <a:t>ihre Attribute umbenennen</a:t>
+            </a:r>
+          </a:p>
+          <a:p>
+            <a:pPr marL="457200" indent="-457200">
+              <a:buFont typeface="Arial" panose="020B0604020202020204" pitchFamily="34" charset="0"/>
+              <a:buChar char="•"/>
+            </a:pPr>
+            <a:r>
+              <a:rPr lang="de-DE" dirty="0"/>
+              <a:t>neue Attribute hinzufügen</a:t>
+            </a:r>
+          </a:p>
+          <a:p>
+            <a:pPr marL="457200" indent="-457200">
+              <a:buFont typeface="Arial" panose="020B0604020202020204" pitchFamily="34" charset="0"/>
+              <a:buChar char="•"/>
+            </a:pPr>
+            <a:r>
+              <a:rPr lang="de-DE" dirty="0"/>
+              <a:t>neue </a:t>
+            </a:r>
+            <a:r>
+              <a:rPr lang="de-DE" dirty="0" err="1"/>
+              <a:t>Entities</a:t>
+            </a:r>
+            <a:r>
+              <a:rPr lang="de-DE" dirty="0"/>
+              <a:t> erstellen</a:t>
+            </a:r>
+          </a:p>
+          <a:p>
+            <a:endParaRPr lang="en-US" dirty="0"/>
+          </a:p>
+          <a:p>
+            <a:pPr marL="457200" indent="-457200">
+              <a:buFont typeface="Arial" panose="020B0604020202020204" pitchFamily="34" charset="0"/>
+              <a:buChar char="•"/>
+            </a:pPr>
+            <a:endParaRPr lang="en-US" dirty="0"/>
+          </a:p>
+        </p:txBody>
+      </p:sp>
+    </p:spTree>
+    <p:extLst>
+      <p:ext uri="{BB962C8B-B14F-4D97-AF65-F5344CB8AC3E}">
+        <p14:creationId xmlns:p14="http://schemas.microsoft.com/office/powerpoint/2010/main" val="3084144496"/>
+      </p:ext>
+    </p:extLst>
+  </p:cSld>
+  <p:clrMapOvr>
+    <a:masterClrMapping/>
+  </p:clrMapOvr>
+</p:sld>
+</file>
+
+<file path=ppt/slides/slide11.xml><?xml version="1.0" encoding="utf-8"?>
+<p:sld xmlns:a="http://schemas.openxmlformats.org/drawingml/2006/main" xmlns:r="http://schemas.openxmlformats.org/officeDocument/2006/relationships" xmlns:p="http://schemas.openxmlformats.org/presentationml/2006/main">
+  <p:cSld>
+    <p:spTree>
+      <p:nvGrpSpPr>
+        <p:cNvPr id="1" name=""/>
+        <p:cNvGrpSpPr/>
+        <p:nvPr/>
+      </p:nvGrpSpPr>
+      <p:grpSpPr>
+        <a:xfrm>
+          <a:off x="0" y="0"/>
+          <a:ext cx="0" cy="0"/>
+          <a:chOff x="0" y="0"/>
+          <a:chExt cx="0" cy="0"/>
+        </a:xfrm>
+      </p:grpSpPr>
+      <p:sp>
+        <p:nvSpPr>
+          <p:cNvPr id="5" name="Заглавие 4">
+            <a:extLst>
+              <a:ext uri="{FF2B5EF4-FFF2-40B4-BE49-F238E27FC236}">
+                <a16:creationId xmlns:a16="http://schemas.microsoft.com/office/drawing/2014/main" id="{6E47550B-D0EE-48AE-A808-31B4B7545900}"/>
+              </a:ext>
+            </a:extLst>
+          </p:cNvPr>
+          <p:cNvSpPr>
+            <a:spLocks noGrp="1"/>
+          </p:cNvSpPr>
+          <p:nvPr>
+            <p:ph type="title"/>
+          </p:nvPr>
+        </p:nvSpPr>
+        <p:spPr/>
+        <p:txBody>
+          <a:bodyPr>
+            <a:normAutofit/>
+          </a:bodyPr>
+          <a:lstStyle/>
+          <a:p>
+            <a:r>
+              <a:rPr lang="en-US" sz="2800" dirty="0" err="1"/>
+              <a:t>Zukünftige</a:t>
+            </a:r>
+            <a:r>
+              <a:rPr lang="en-US" sz="2800" dirty="0"/>
+              <a:t> Features und </a:t>
+            </a:r>
+            <a:r>
+              <a:rPr lang="en-US" sz="2800" dirty="0" err="1"/>
+              <a:t>Erweiterungen</a:t>
+            </a:r>
+            <a:endParaRPr lang="en-US" sz="2800" dirty="0"/>
+          </a:p>
+        </p:txBody>
+      </p:sp>
+      <p:sp>
+        <p:nvSpPr>
+          <p:cNvPr id="6" name="Контейнер за съдържание 5">
+            <a:extLst>
+              <a:ext uri="{FF2B5EF4-FFF2-40B4-BE49-F238E27FC236}">
+                <a16:creationId xmlns:a16="http://schemas.microsoft.com/office/drawing/2014/main" id="{1931EDBB-8A51-4AC7-9C0B-D01548241B42}"/>
+              </a:ext>
+            </a:extLst>
+          </p:cNvPr>
+          <p:cNvSpPr>
+            <a:spLocks noGrp="1"/>
+          </p:cNvSpPr>
+          <p:nvPr>
+            <p:ph sz="quarter" idx="12"/>
+          </p:nvPr>
+        </p:nvSpPr>
+        <p:spPr/>
+        <p:txBody>
+          <a:bodyPr/>
+          <a:lstStyle/>
+          <a:p>
+            <a:pPr marL="457200" indent="-457200">
+              <a:buFont typeface="Arial" panose="020B0604020202020204" pitchFamily="34" charset="0"/>
+              <a:buChar char="•"/>
+            </a:pPr>
+            <a:endParaRPr lang="en-US" dirty="0"/>
+          </a:p>
+          <a:p>
+            <a:pPr marL="457200" indent="-457200">
+              <a:buFont typeface="Arial" panose="020B0604020202020204" pitchFamily="34" charset="0"/>
+              <a:buChar char="•"/>
+            </a:pPr>
+            <a:r>
+              <a:rPr lang="en-US" dirty="0" err="1"/>
+              <a:t>Erweiterungen</a:t>
+            </a:r>
+            <a:r>
+              <a:rPr lang="en-US" dirty="0"/>
+              <a:t> der </a:t>
+            </a:r>
+            <a:r>
+              <a:rPr lang="en-US" dirty="0" err="1"/>
+              <a:t>Suchfunktion</a:t>
+            </a:r>
+            <a:r>
+              <a:rPr lang="en-US" dirty="0"/>
+              <a:t>: </a:t>
+            </a:r>
+            <a:r>
+              <a:rPr lang="en-US" dirty="0" err="1"/>
+              <a:t>z.B</a:t>
+            </a:r>
+            <a:r>
+              <a:rPr lang="en-US" dirty="0"/>
+              <a:t>. </a:t>
+            </a:r>
+            <a:r>
+              <a:rPr lang="en-US" dirty="0" err="1"/>
+              <a:t>Orte</a:t>
+            </a:r>
+            <a:r>
+              <a:rPr lang="en-US" dirty="0"/>
+              <a:t> </a:t>
+            </a:r>
+            <a:r>
+              <a:rPr lang="en-US" dirty="0" err="1"/>
+              <a:t>nach</a:t>
+            </a:r>
+            <a:r>
+              <a:rPr lang="en-US" dirty="0"/>
+              <a:t> Longitude und Latitude </a:t>
+            </a:r>
+            <a:r>
+              <a:rPr lang="en-US" dirty="0" err="1"/>
+              <a:t>suchen</a:t>
+            </a:r>
+            <a:endParaRPr lang="en-US" dirty="0"/>
+          </a:p>
+          <a:p>
+            <a:pPr marL="457200" indent="-457200">
+              <a:buFont typeface="Arial" panose="020B0604020202020204" pitchFamily="34" charset="0"/>
+              <a:buChar char="•"/>
+            </a:pPr>
+            <a:r>
+              <a:rPr lang="en-US" dirty="0"/>
+              <a:t>Integration von Jenkins, Eureka </a:t>
+            </a:r>
+            <a:r>
+              <a:rPr lang="en-US" dirty="0" err="1"/>
+              <a:t>usw</a:t>
+            </a:r>
+            <a:r>
+              <a:rPr lang="en-US" dirty="0"/>
+              <a:t>. </a:t>
+            </a:r>
+          </a:p>
+          <a:p>
+            <a:pPr marL="457200" indent="-457200">
+              <a:buFont typeface="Arial" panose="020B0604020202020204" pitchFamily="34" charset="0"/>
+              <a:buChar char="•"/>
+            </a:pPr>
+            <a:r>
+              <a:rPr lang="en-US" dirty="0"/>
+              <a:t>Login System</a:t>
+            </a:r>
+          </a:p>
+          <a:p>
+            <a:pPr marL="457200" indent="-457200">
+              <a:buFont typeface="Arial" panose="020B0604020202020204" pitchFamily="34" charset="0"/>
+              <a:buChar char="•"/>
+            </a:pPr>
+            <a:r>
+              <a:rPr lang="en-US" dirty="0"/>
+              <a:t>Concurrency und Consistency </a:t>
+            </a:r>
+          </a:p>
+          <a:p>
+            <a:pPr marL="457200" indent="-457200">
+              <a:buFont typeface="Arial" panose="020B0604020202020204" pitchFamily="34" charset="0"/>
+              <a:buChar char="•"/>
+            </a:pPr>
+            <a:r>
+              <a:rPr lang="en-US" dirty="0" err="1"/>
+              <a:t>Hinzufügen</a:t>
+            </a:r>
+            <a:r>
+              <a:rPr lang="en-US" dirty="0"/>
+              <a:t> von </a:t>
+            </a:r>
+            <a:r>
+              <a:rPr lang="en-US" dirty="0" err="1"/>
+              <a:t>beliebig</a:t>
+            </a:r>
+            <a:r>
+              <a:rPr lang="en-US" dirty="0"/>
+              <a:t> </a:t>
+            </a:r>
+            <a:r>
+              <a:rPr lang="en-US" dirty="0" err="1"/>
+              <a:t>viele</a:t>
+            </a:r>
+            <a:r>
+              <a:rPr lang="en-US" dirty="0"/>
+              <a:t> </a:t>
+            </a:r>
+            <a:r>
+              <a:rPr lang="en-US" dirty="0" err="1"/>
+              <a:t>weiteren</a:t>
+            </a:r>
+            <a:r>
+              <a:rPr lang="en-US" dirty="0"/>
+              <a:t> Microservices</a:t>
+            </a:r>
+          </a:p>
+        </p:txBody>
+      </p:sp>
+      <p:sp>
+        <p:nvSpPr>
+          <p:cNvPr id="2" name="Контейнер за долния колонтитул 1">
+            <a:extLst>
+              <a:ext uri="{FF2B5EF4-FFF2-40B4-BE49-F238E27FC236}">
+                <a16:creationId xmlns:a16="http://schemas.microsoft.com/office/drawing/2014/main" id="{FEE0ACC8-3EDB-48A8-BA09-4D6E02011B4C}"/>
+              </a:ext>
+            </a:extLst>
+          </p:cNvPr>
+          <p:cNvSpPr>
+            <a:spLocks noGrp="1"/>
+          </p:cNvSpPr>
+          <p:nvPr>
+            <p:ph type="ftr" sz="quarter" idx="13"/>
+          </p:nvPr>
+        </p:nvSpPr>
+        <p:spPr/>
+        <p:txBody>
+          <a:bodyPr/>
+          <a:lstStyle/>
+          <a:p>
+            <a:endParaRPr lang="de-DE" dirty="0"/>
+          </a:p>
+        </p:txBody>
+      </p:sp>
+      <p:sp>
+        <p:nvSpPr>
+          <p:cNvPr id="3" name="Контейнер за номер на слайда 2">
+            <a:extLst>
+              <a:ext uri="{FF2B5EF4-FFF2-40B4-BE49-F238E27FC236}">
+                <a16:creationId xmlns:a16="http://schemas.microsoft.com/office/drawing/2014/main" id="{E5C175FF-DBCF-4DC0-8B34-0748575AB137}"/>
+              </a:ext>
+            </a:extLst>
+          </p:cNvPr>
+          <p:cNvSpPr>
+            <a:spLocks noGrp="1"/>
+          </p:cNvSpPr>
+          <p:nvPr>
+            <p:ph type="sldNum" sz="quarter" idx="14"/>
+          </p:nvPr>
+        </p:nvSpPr>
+        <p:spPr/>
+        <p:txBody>
+          <a:bodyPr/>
+          <a:lstStyle/>
+          <a:p>
+            <a:fld id="{4506F84E-75D2-4715-B6C6-C971E49CE21A}" type="slidenum">
+              <a:rPr lang="de-DE" smtClean="0"/>
+              <a:pPr/>
+              <a:t>11</a:t>
+            </a:fld>
+            <a:endParaRPr lang="de-DE" dirty="0"/>
+          </a:p>
+        </p:txBody>
+      </p:sp>
+    </p:spTree>
+    <p:extLst>
+      <p:ext uri="{BB962C8B-B14F-4D97-AF65-F5344CB8AC3E}">
+        <p14:creationId xmlns:p14="http://schemas.microsoft.com/office/powerpoint/2010/main" val="907067521"/>
+      </p:ext>
+    </p:extLst>
+  </p:cSld>
+  <p:clrMapOvr>
+    <a:masterClrMapping/>
+  </p:clrMapOvr>
+</p:sld>
+</file>
+
+<file path=ppt/slides/slide12.xml><?xml version="1.0" encoding="utf-8"?>
+<p:sld xmlns:a="http://schemas.openxmlformats.org/drawingml/2006/main" xmlns:r="http://schemas.openxmlformats.org/officeDocument/2006/relationships" xmlns:p="http://schemas.openxmlformats.org/presentationml/2006/main">
+  <p:cSld>
+    <p:spTree>
+      <p:nvGrpSpPr>
+        <p:cNvPr id="1" name=""/>
+        <p:cNvGrpSpPr/>
+        <p:nvPr/>
+      </p:nvGrpSpPr>
+      <p:grpSpPr>
+        <a:xfrm>
+          <a:off x="0" y="0"/>
+          <a:ext cx="0" cy="0"/>
+          <a:chOff x="0" y="0"/>
+          <a:chExt cx="0" cy="0"/>
+        </a:xfrm>
+      </p:grpSpPr>
+      <p:pic>
+        <p:nvPicPr>
           <p:cNvPr id="8" name="Контейнер за съдържание 7">
             <a:extLst>
               <a:ext uri="{FF2B5EF4-FFF2-40B4-BE49-F238E27FC236}">
@@ -3738,7 +4259,7 @@
             <a:fld id="{4506F84E-75D2-4715-B6C6-C971E49CE21A}" type="slidenum">
               <a:rPr lang="de-DE" smtClean="0"/>
               <a:pPr/>
-              <a:t>10</a:t>
+              <a:t>12</a:t>
             </a:fld>
             <a:endParaRPr lang="de-DE" dirty="0"/>
           </a:p>
@@ -3757,7 +4278,7 @@
 </p:sld>
 </file>
 
-<file path=ppt/slides/slide11.xml><?xml version="1.0" encoding="utf-8"?>
+<file path=ppt/slides/slide13.xml><?xml version="1.0" encoding="utf-8"?>
 <p:sld xmlns:a="http://schemas.openxmlformats.org/drawingml/2006/main" xmlns:r="http://schemas.openxmlformats.org/officeDocument/2006/relationships" xmlns:p="http://schemas.openxmlformats.org/presentationml/2006/main">
   <p:cSld>
     <p:spTree>
@@ -4415,6 +4936,254 @@
       </p:grpSpPr>
       <p:sp>
         <p:nvSpPr>
+          <p:cNvPr id="5" name="Заглавие 4">
+            <a:extLst>
+              <a:ext uri="{FF2B5EF4-FFF2-40B4-BE49-F238E27FC236}">
+                <a16:creationId xmlns:a16="http://schemas.microsoft.com/office/drawing/2014/main" id="{6E47550B-D0EE-48AE-A808-31B4B7545900}"/>
+              </a:ext>
+            </a:extLst>
+          </p:cNvPr>
+          <p:cNvSpPr>
+            <a:spLocks noGrp="1"/>
+          </p:cNvSpPr>
+          <p:nvPr>
+            <p:ph type="title"/>
+          </p:nvPr>
+        </p:nvSpPr>
+        <p:spPr/>
+        <p:txBody>
+          <a:bodyPr>
+            <a:normAutofit/>
+          </a:bodyPr>
+          <a:lstStyle/>
+          <a:p>
+            <a:r>
+              <a:rPr lang="en-US" sz="2800" dirty="0" err="1"/>
+              <a:t>Technologien</a:t>
+            </a:r>
+            <a:r>
+              <a:rPr lang="en-US" sz="2800" dirty="0"/>
+              <a:t> und </a:t>
+            </a:r>
+            <a:r>
+              <a:rPr lang="en-US" sz="2800" dirty="0" err="1"/>
+              <a:t>Entwicklungsmethode</a:t>
+            </a:r>
+            <a:r>
+              <a:rPr lang="en-US" sz="2800" dirty="0"/>
+              <a:t> </a:t>
+            </a:r>
+          </a:p>
+        </p:txBody>
+      </p:sp>
+      <p:sp>
+        <p:nvSpPr>
+          <p:cNvPr id="6" name="Контейнер за съдържание 5">
+            <a:extLst>
+              <a:ext uri="{FF2B5EF4-FFF2-40B4-BE49-F238E27FC236}">
+                <a16:creationId xmlns:a16="http://schemas.microsoft.com/office/drawing/2014/main" id="{1931EDBB-8A51-4AC7-9C0B-D01548241B42}"/>
+              </a:ext>
+            </a:extLst>
+          </p:cNvPr>
+          <p:cNvSpPr>
+            <a:spLocks noGrp="1"/>
+          </p:cNvSpPr>
+          <p:nvPr>
+            <p:ph sz="quarter" idx="12"/>
+          </p:nvPr>
+        </p:nvSpPr>
+        <p:spPr/>
+        <p:txBody>
+          <a:bodyPr/>
+          <a:lstStyle/>
+          <a:p>
+            <a:pPr marL="457200" indent="-457200">
+              <a:buFont typeface="Arial" panose="020B0604020202020204" pitchFamily="34" charset="0"/>
+              <a:buChar char="•"/>
+            </a:pPr>
+            <a:r>
+              <a:rPr lang="en-US" dirty="0"/>
+              <a:t>Angular JS Node app </a:t>
+            </a:r>
+            <a:r>
+              <a:rPr lang="en-US" dirty="0" err="1"/>
+              <a:t>für</a:t>
+            </a:r>
+            <a:r>
+              <a:rPr lang="en-US" dirty="0"/>
+              <a:t> das Frontend</a:t>
+            </a:r>
+          </a:p>
+          <a:p>
+            <a:pPr marL="457200" indent="-457200">
+              <a:buFont typeface="Arial" panose="020B0604020202020204" pitchFamily="34" charset="0"/>
+              <a:buChar char="•"/>
+            </a:pPr>
+            <a:r>
+              <a:rPr lang="en-US" dirty="0" err="1"/>
+              <a:t>Pytho</a:t>
+            </a:r>
+            <a:r>
+              <a:rPr lang="de-DE" dirty="0"/>
+              <a:t>n (Flask) API für Kommunikation zwischen Frontend und Backend Microservices</a:t>
+            </a:r>
+          </a:p>
+          <a:p>
+            <a:pPr marL="457200" indent="-457200">
+              <a:buFont typeface="Arial" panose="020B0604020202020204" pitchFamily="34" charset="0"/>
+              <a:buChar char="•"/>
+            </a:pPr>
+            <a:r>
+              <a:rPr lang="de-DE" dirty="0"/>
+              <a:t>Spring Boot Microservices (Importer, Exporter, Database) mit Devtools</a:t>
+            </a:r>
+          </a:p>
+          <a:p>
+            <a:pPr marL="457200" indent="-457200">
+              <a:buFont typeface="Arial" panose="020B0604020202020204" pitchFamily="34" charset="0"/>
+              <a:buChar char="•"/>
+            </a:pPr>
+            <a:r>
+              <a:rPr lang="de-DE" dirty="0"/>
+              <a:t>Hibernate + MySQL Datenbank </a:t>
+            </a:r>
+          </a:p>
+          <a:p>
+            <a:pPr marL="457200" indent="-457200">
+              <a:buFont typeface="Arial" panose="020B0604020202020204" pitchFamily="34" charset="0"/>
+              <a:buChar char="•"/>
+            </a:pPr>
+            <a:r>
+              <a:rPr lang="de-DE" dirty="0"/>
+              <a:t>Docker für Deployment</a:t>
+            </a:r>
+          </a:p>
+          <a:p>
+            <a:pPr marL="457200" indent="-457200">
+              <a:buFont typeface="Arial" panose="020B0604020202020204" pitchFamily="34" charset="0"/>
+              <a:buChar char="•"/>
+            </a:pPr>
+            <a:r>
+              <a:rPr lang="en-US" dirty="0"/>
+              <a:t>Scrum </a:t>
+            </a:r>
+            <a:r>
+              <a:rPr lang="en-US" dirty="0" err="1"/>
+              <a:t>als</a:t>
+            </a:r>
+            <a:r>
+              <a:rPr lang="en-US" dirty="0"/>
+              <a:t> </a:t>
+            </a:r>
+            <a:r>
+              <a:rPr lang="en-US" dirty="0" err="1"/>
+              <a:t>Entwicklungsmethode</a:t>
+            </a:r>
+            <a:r>
+              <a:rPr lang="en-US" dirty="0"/>
+              <a:t> </a:t>
+            </a:r>
+            <a:r>
+              <a:rPr lang="en-US" dirty="0" err="1"/>
+              <a:t>für</a:t>
+            </a:r>
+            <a:r>
+              <a:rPr lang="en-US" dirty="0"/>
+              <a:t> das Team</a:t>
+            </a:r>
+          </a:p>
+          <a:p>
+            <a:endParaRPr lang="en-US" dirty="0"/>
+          </a:p>
+        </p:txBody>
+      </p:sp>
+      <p:sp>
+        <p:nvSpPr>
+          <p:cNvPr id="2" name="Контейнер за долния колонтитул 1">
+            <a:extLst>
+              <a:ext uri="{FF2B5EF4-FFF2-40B4-BE49-F238E27FC236}">
+                <a16:creationId xmlns:a16="http://schemas.microsoft.com/office/drawing/2014/main" id="{FEE0ACC8-3EDB-48A8-BA09-4D6E02011B4C}"/>
+              </a:ext>
+            </a:extLst>
+          </p:cNvPr>
+          <p:cNvSpPr>
+            <a:spLocks noGrp="1"/>
+          </p:cNvSpPr>
+          <p:nvPr>
+            <p:ph type="ftr" sz="quarter" idx="13"/>
+          </p:nvPr>
+        </p:nvSpPr>
+        <p:spPr/>
+        <p:txBody>
+          <a:bodyPr/>
+          <a:lstStyle/>
+          <a:p>
+            <a:endParaRPr lang="de-DE" dirty="0"/>
+          </a:p>
+        </p:txBody>
+      </p:sp>
+      <p:sp>
+        <p:nvSpPr>
+          <p:cNvPr id="3" name="Контейнер за номер на слайда 2">
+            <a:extLst>
+              <a:ext uri="{FF2B5EF4-FFF2-40B4-BE49-F238E27FC236}">
+                <a16:creationId xmlns:a16="http://schemas.microsoft.com/office/drawing/2014/main" id="{E5C175FF-DBCF-4DC0-8B34-0748575AB137}"/>
+              </a:ext>
+            </a:extLst>
+          </p:cNvPr>
+          <p:cNvSpPr>
+            <a:spLocks noGrp="1"/>
+          </p:cNvSpPr>
+          <p:nvPr>
+            <p:ph type="sldNum" sz="quarter" idx="14"/>
+          </p:nvPr>
+        </p:nvSpPr>
+        <p:spPr/>
+        <p:txBody>
+          <a:bodyPr/>
+          <a:lstStyle/>
+          <a:p>
+            <a:fld id="{4506F84E-75D2-4715-B6C6-C971E49CE21A}" type="slidenum">
+              <a:rPr lang="de-DE" smtClean="0"/>
+              <a:pPr/>
+              <a:t>5</a:t>
+            </a:fld>
+            <a:endParaRPr lang="de-DE" dirty="0"/>
+          </a:p>
+        </p:txBody>
+      </p:sp>
+    </p:spTree>
+    <p:extLst>
+      <p:ext uri="{BB962C8B-B14F-4D97-AF65-F5344CB8AC3E}">
+        <p14:creationId xmlns:p14="http://schemas.microsoft.com/office/powerpoint/2010/main" val="3810238228"/>
+      </p:ext>
+    </p:extLst>
+  </p:cSld>
+  <p:clrMapOvr>
+    <a:masterClrMapping/>
+  </p:clrMapOvr>
+</p:sld>
+</file>
+
+<file path=ppt/slides/slide6.xml><?xml version="1.0" encoding="utf-8"?>
+<p:sld xmlns:a="http://schemas.openxmlformats.org/drawingml/2006/main" xmlns:r="http://schemas.openxmlformats.org/officeDocument/2006/relationships" xmlns:p="http://schemas.openxmlformats.org/presentationml/2006/main">
+  <p:cSld>
+    <p:spTree>
+      <p:nvGrpSpPr>
+        <p:cNvPr id="1" name=""/>
+        <p:cNvGrpSpPr/>
+        <p:nvPr/>
+      </p:nvGrpSpPr>
+      <p:grpSpPr>
+        <a:xfrm>
+          <a:off x="0" y="0"/>
+          <a:ext cx="0" cy="0"/>
+          <a:chOff x="0" y="0"/>
+          <a:chExt cx="0" cy="0"/>
+        </a:xfrm>
+      </p:grpSpPr>
+      <p:sp>
+        <p:nvSpPr>
           <p:cNvPr id="4" name="Контейнер за долния колонтитул 3">
             <a:extLst>
               <a:ext uri="{FF2B5EF4-FFF2-40B4-BE49-F238E27FC236}">
@@ -4463,7 +5232,7 @@
             <a:fld id="{4506F84E-75D2-4715-B6C6-C971E49CE21A}" type="slidenum">
               <a:rPr lang="de-DE" smtClean="0"/>
               <a:pPr/>
-              <a:t>5</a:t>
+              <a:t>6</a:t>
             </a:fld>
             <a:endParaRPr lang="de-DE" dirty="0"/>
           </a:p>
@@ -4517,7 +5286,7 @@
 </p:sld>
 </file>
 
-<file path=ppt/slides/slide6.xml><?xml version="1.0" encoding="utf-8"?>
+<file path=ppt/slides/slide7.xml><?xml version="1.0" encoding="utf-8"?>
 <p:sld xmlns:a="http://schemas.openxmlformats.org/drawingml/2006/main" xmlns:r="http://schemas.openxmlformats.org/officeDocument/2006/relationships" xmlns:p="http://schemas.openxmlformats.org/presentationml/2006/main">
   <p:cSld>
     <p:spTree>
@@ -4618,7 +5387,7 @@
             <a:fld id="{4506F84E-75D2-4715-B6C6-C971E49CE21A}" type="slidenum">
               <a:rPr lang="de-DE" smtClean="0"/>
               <a:pPr/>
-              <a:t>6</a:t>
+              <a:t>7</a:t>
             </a:fld>
             <a:endParaRPr lang="de-DE" dirty="0"/>
           </a:p>
@@ -4672,7 +5441,7 @@
 </p:sld>
 </file>
 
-<file path=ppt/slides/slide7.xml><?xml version="1.0" encoding="utf-8"?>
+<file path=ppt/slides/slide8.xml><?xml version="1.0" encoding="utf-8"?>
 <p:sld xmlns:a="http://schemas.openxmlformats.org/drawingml/2006/main" xmlns:r="http://schemas.openxmlformats.org/officeDocument/2006/relationships" xmlns:p="http://schemas.openxmlformats.org/presentationml/2006/main">
   <p:cSld>
     <p:spTree>
@@ -4773,7 +5542,7 @@
             <a:fld id="{4506F84E-75D2-4715-B6C6-C971E49CE21A}" type="slidenum">
               <a:rPr lang="de-DE" smtClean="0"/>
               <a:pPr/>
-              <a:t>7</a:t>
+              <a:t>8</a:t>
             </a:fld>
             <a:endParaRPr lang="de-DE" dirty="0"/>
           </a:p>
@@ -4930,204 +5699,6 @@
     <p:extLst>
       <p:ext uri="{BB962C8B-B14F-4D97-AF65-F5344CB8AC3E}">
         <p14:creationId xmlns:p14="http://schemas.microsoft.com/office/powerpoint/2010/main" val="2804878139"/>
-      </p:ext>
-    </p:extLst>
-  </p:cSld>
-  <p:clrMapOvr>
-    <a:masterClrMapping/>
-  </p:clrMapOvr>
-</p:sld>
-</file>
-
-<file path=ppt/slides/slide8.xml><?xml version="1.0" encoding="utf-8"?>
-<p:sld xmlns:a="http://schemas.openxmlformats.org/drawingml/2006/main" xmlns:r="http://schemas.openxmlformats.org/officeDocument/2006/relationships" xmlns:p="http://schemas.openxmlformats.org/presentationml/2006/main">
-  <p:cSld>
-    <p:spTree>
-      <p:nvGrpSpPr>
-        <p:cNvPr id="1" name=""/>
-        <p:cNvGrpSpPr/>
-        <p:nvPr/>
-      </p:nvGrpSpPr>
-      <p:grpSpPr>
-        <a:xfrm>
-          <a:off x="0" y="0"/>
-          <a:ext cx="0" cy="0"/>
-          <a:chOff x="0" y="0"/>
-          <a:chExt cx="0" cy="0"/>
-        </a:xfrm>
-      </p:grpSpPr>
-      <p:pic>
-        <p:nvPicPr>
-          <p:cNvPr id="7" name="Контейнер за съдържание 6">
-            <a:extLst>
-              <a:ext uri="{FF2B5EF4-FFF2-40B4-BE49-F238E27FC236}">
-                <a16:creationId xmlns:a16="http://schemas.microsoft.com/office/drawing/2014/main" id="{94D0761F-4BE6-43EB-8E00-3B95CA5F5D1E}"/>
-              </a:ext>
-            </a:extLst>
-          </p:cNvPr>
-          <p:cNvPicPr>
-            <a:picLocks noGrp="1" noChangeAspect="1"/>
-          </p:cNvPicPr>
-          <p:nvPr>
-            <p:ph sz="quarter" idx="12"/>
-          </p:nvPr>
-        </p:nvPicPr>
-        <p:blipFill>
-          <a:blip r:embed="rId2">
-            <a:extLst>
-              <a:ext uri="{28A0092B-C50C-407E-A947-70E740481C1C}">
-                <a14:useLocalDpi xmlns:a14="http://schemas.microsoft.com/office/drawing/2010/main" val="0"/>
-              </a:ext>
-            </a:extLst>
-          </a:blip>
-          <a:stretch>
-            <a:fillRect/>
-          </a:stretch>
-        </p:blipFill>
-        <p:spPr>
-          <a:xfrm>
-            <a:off x="686817" y="201613"/>
-            <a:ext cx="5031928" cy="5764212"/>
-          </a:xfrm>
-        </p:spPr>
-      </p:pic>
-      <p:sp>
-        <p:nvSpPr>
-          <p:cNvPr id="3" name="Контейнер за долния колонтитул 2">
-            <a:extLst>
-              <a:ext uri="{FF2B5EF4-FFF2-40B4-BE49-F238E27FC236}">
-                <a16:creationId xmlns:a16="http://schemas.microsoft.com/office/drawing/2014/main" id="{243073BA-C473-4168-992E-65A1FE312C4F}"/>
-              </a:ext>
-            </a:extLst>
-          </p:cNvPr>
-          <p:cNvSpPr>
-            <a:spLocks noGrp="1"/>
-          </p:cNvSpPr>
-          <p:nvPr>
-            <p:ph type="ftr" sz="quarter" idx="13"/>
-          </p:nvPr>
-        </p:nvSpPr>
-        <p:spPr/>
-        <p:txBody>
-          <a:bodyPr/>
-          <a:lstStyle/>
-          <a:p>
-            <a:endParaRPr lang="de-DE" dirty="0"/>
-          </a:p>
-        </p:txBody>
-      </p:sp>
-      <p:sp>
-        <p:nvSpPr>
-          <p:cNvPr id="4" name="Контейнер за номер на слайда 3">
-            <a:extLst>
-              <a:ext uri="{FF2B5EF4-FFF2-40B4-BE49-F238E27FC236}">
-                <a16:creationId xmlns:a16="http://schemas.microsoft.com/office/drawing/2014/main" id="{1779DEEA-D658-40D9-92A5-45CCF5B30A8A}"/>
-              </a:ext>
-            </a:extLst>
-          </p:cNvPr>
-          <p:cNvSpPr>
-            <a:spLocks noGrp="1"/>
-          </p:cNvSpPr>
-          <p:nvPr>
-            <p:ph type="sldNum" sz="quarter" idx="14"/>
-          </p:nvPr>
-        </p:nvSpPr>
-        <p:spPr/>
-        <p:txBody>
-          <a:bodyPr/>
-          <a:lstStyle/>
-          <a:p>
-            <a:fld id="{4506F84E-75D2-4715-B6C6-C971E49CE21A}" type="slidenum">
-              <a:rPr lang="de-DE" smtClean="0"/>
-              <a:pPr/>
-              <a:t>8</a:t>
-            </a:fld>
-            <a:endParaRPr lang="de-DE" dirty="0"/>
-          </a:p>
-        </p:txBody>
-      </p:sp>
-      <p:sp>
-        <p:nvSpPr>
-          <p:cNvPr id="5" name="Контейнер за съдържание 4">
-            <a:extLst>
-              <a:ext uri="{FF2B5EF4-FFF2-40B4-BE49-F238E27FC236}">
-                <a16:creationId xmlns:a16="http://schemas.microsoft.com/office/drawing/2014/main" id="{5CD8C6B8-26C6-4975-906F-A08089515224}"/>
-              </a:ext>
-            </a:extLst>
-          </p:cNvPr>
-          <p:cNvSpPr>
-            <a:spLocks noGrp="1"/>
-          </p:cNvSpPr>
-          <p:nvPr>
-            <p:ph sz="quarter" idx="15"/>
-          </p:nvPr>
-        </p:nvSpPr>
-        <p:spPr>
-          <a:xfrm>
-            <a:off x="6029739" y="1550504"/>
-            <a:ext cx="5771285" cy="2915480"/>
-          </a:xfrm>
-        </p:spPr>
-        <p:txBody>
-          <a:bodyPr/>
-          <a:lstStyle/>
-          <a:p>
-            <a:r>
-              <a:rPr lang="en-US" dirty="0" err="1"/>
-              <a:t>Exportieren</a:t>
-            </a:r>
-            <a:r>
-              <a:rPr lang="en-US" dirty="0"/>
-              <a:t> von .csv und .story </a:t>
-            </a:r>
-            <a:r>
-              <a:rPr lang="en-US" dirty="0" err="1"/>
-              <a:t>Dateien</a:t>
-            </a:r>
-            <a:r>
-              <a:rPr lang="en-US" dirty="0"/>
-              <a:t>:</a:t>
-            </a:r>
-          </a:p>
-          <a:p>
-            <a:pPr marL="457200" indent="-457200">
-              <a:buFont typeface="Arial" panose="020B0604020202020204" pitchFamily="34" charset="0"/>
-              <a:buChar char="•"/>
-            </a:pPr>
-            <a:r>
-              <a:rPr lang="en-US" dirty="0" err="1"/>
-              <a:t>eine</a:t>
-            </a:r>
-            <a:r>
-              <a:rPr lang="en-US" dirty="0"/>
-              <a:t> Story</a:t>
-            </a:r>
-            <a:r>
-              <a:rPr lang="de-DE" dirty="0"/>
-              <a:t>, zu der alle passende Daten exportiert werden</a:t>
-            </a:r>
-          </a:p>
-          <a:p>
-            <a:pPr marL="457200" indent="-457200">
-              <a:buFont typeface="Arial" panose="020B0604020202020204" pitchFamily="34" charset="0"/>
-              <a:buChar char="•"/>
-            </a:pPr>
-            <a:r>
-              <a:rPr lang="de-DE" dirty="0" err="1"/>
-              <a:t>Entities</a:t>
-            </a:r>
-            <a:r>
-              <a:rPr lang="de-DE" dirty="0"/>
-              <a:t>, zu denen passende Stories gefunden werden oder die Entitäten als Daten exportiert werden</a:t>
-            </a:r>
-            <a:endParaRPr lang="en-US" dirty="0"/>
-          </a:p>
-        </p:txBody>
-      </p:sp>
-    </p:spTree>
-    <p:extLst>
-      <p:ext uri="{BB962C8B-B14F-4D97-AF65-F5344CB8AC3E}">
-        <p14:creationId xmlns:p14="http://schemas.microsoft.com/office/powerpoint/2010/main" val="2720316673"/>
       </p:ext>
     </p:extLst>
   </p:cSld>
@@ -5159,7 +5730,7 @@
           <p:cNvPr id="7" name="Контейнер за съдържание 6">
             <a:extLst>
               <a:ext uri="{FF2B5EF4-FFF2-40B4-BE49-F238E27FC236}">
-                <a16:creationId xmlns:a16="http://schemas.microsoft.com/office/drawing/2014/main" id="{C4DE61BF-D6B8-4ABE-A2E1-537E2DBBF7DE}"/>
+                <a16:creationId xmlns:a16="http://schemas.microsoft.com/office/drawing/2014/main" id="{94D0761F-4BE6-43EB-8E00-3B95CA5F5D1E}"/>
               </a:ext>
             </a:extLst>
           </p:cNvPr>
@@ -5184,8 +5755,8 @@
         </p:blipFill>
         <p:spPr>
           <a:xfrm>
-            <a:off x="702366" y="201601"/>
-            <a:ext cx="11098658" cy="2462086"/>
+            <a:off x="686817" y="201613"/>
+            <a:ext cx="5031928" cy="5764212"/>
           </a:xfrm>
         </p:spPr>
       </p:pic>
@@ -5194,7 +5765,7 @@
           <p:cNvPr id="3" name="Контейнер за долния колонтитул 2">
             <a:extLst>
               <a:ext uri="{FF2B5EF4-FFF2-40B4-BE49-F238E27FC236}">
-                <a16:creationId xmlns:a16="http://schemas.microsoft.com/office/drawing/2014/main" id="{47F035C3-1BEE-4458-915D-D49740638CCD}"/>
+                <a16:creationId xmlns:a16="http://schemas.microsoft.com/office/drawing/2014/main" id="{243073BA-C473-4168-992E-65A1FE312C4F}"/>
               </a:ext>
             </a:extLst>
           </p:cNvPr>
@@ -5219,7 +5790,7 @@
           <p:cNvPr id="4" name="Контейнер за номер на слайда 3">
             <a:extLst>
               <a:ext uri="{FF2B5EF4-FFF2-40B4-BE49-F238E27FC236}">
-                <a16:creationId xmlns:a16="http://schemas.microsoft.com/office/drawing/2014/main" id="{4372DCD2-D182-4288-A227-ABDFEF18D784}"/>
+                <a16:creationId xmlns:a16="http://schemas.microsoft.com/office/drawing/2014/main" id="{1779DEEA-D658-40D9-92A5-45CCF5B30A8A}"/>
               </a:ext>
             </a:extLst>
           </p:cNvPr>
@@ -5249,7 +5820,7 @@
           <p:cNvPr id="5" name="Контейнер за съдържание 4">
             <a:extLst>
               <a:ext uri="{FF2B5EF4-FFF2-40B4-BE49-F238E27FC236}">
-                <a16:creationId xmlns:a16="http://schemas.microsoft.com/office/drawing/2014/main" id="{CD9CD64D-501B-4B27-81A3-A8DD73E006EF}"/>
+                <a16:creationId xmlns:a16="http://schemas.microsoft.com/office/drawing/2014/main" id="{5CD8C6B8-26C6-4975-906F-A08089515224}"/>
               </a:ext>
             </a:extLst>
           </p:cNvPr>
@@ -5262,8 +5833,8 @@
         </p:nvSpPr>
         <p:spPr>
           <a:xfrm>
-            <a:off x="383119" y="3167269"/>
-            <a:ext cx="11417905" cy="2798555"/>
+            <a:off x="6029739" y="1550504"/>
+            <a:ext cx="5771285" cy="2915480"/>
           </a:xfrm>
         </p:spPr>
         <p:txBody>
@@ -5271,16 +5842,16 @@
           <a:lstStyle/>
           <a:p>
             <a:r>
-              <a:rPr lang="de-DE" dirty="0"/>
-              <a:t>Vorhandene </a:t>
-            </a:r>
-            <a:r>
-              <a:rPr lang="de-DE" dirty="0" err="1"/>
-              <a:t>Entities</a:t>
-            </a:r>
-            <a:r>
-              <a:rPr lang="de-DE" dirty="0"/>
-              <a:t> verwalten</a:t>
+              <a:rPr lang="en-US" dirty="0" err="1"/>
+              <a:t>Exportieren</a:t>
+            </a:r>
+            <a:r>
+              <a:rPr lang="en-US" dirty="0"/>
+              <a:t> von .csv und .story </a:t>
+            </a:r>
+            <a:r>
+              <a:rPr lang="en-US" dirty="0" err="1"/>
+              <a:t>Dateien</a:t>
             </a:r>
             <a:r>
               <a:rPr lang="en-US" dirty="0"/>
@@ -5294,23 +5865,15 @@
             </a:pPr>
             <a:r>
               <a:rPr lang="en-US" dirty="0" err="1"/>
-              <a:t>ihren</a:t>
+              <a:t>eine</a:t>
             </a:r>
             <a:r>
               <a:rPr lang="en-US" dirty="0"/>
-              <a:t> </a:t>
-            </a:r>
-            <a:r>
-              <a:rPr lang="en-US" dirty="0" err="1"/>
-              <a:t>Namen</a:t>
-            </a:r>
-            <a:r>
-              <a:rPr lang="en-US" dirty="0"/>
-              <a:t> </a:t>
+              <a:t> Story</a:t>
             </a:r>
             <a:r>
               <a:rPr lang="de-DE" dirty="0"/>
-              <a:t>ändern</a:t>
+              <a:t>, zu der alle passende Daten exportiert werden</a:t>
             </a:r>
           </a:p>
           <a:p>
@@ -5319,46 +5882,13 @@
               <a:buChar char="•"/>
             </a:pPr>
             <a:r>
-              <a:rPr lang="de-DE" dirty="0"/>
-              <a:t>ihre Attribute umbenennen</a:t>
-            </a:r>
-          </a:p>
-          <a:p>
-            <a:pPr marL="457200" indent="-457200">
-              <a:buFont typeface="Arial" panose="020B0604020202020204" pitchFamily="34" charset="0"/>
-              <a:buChar char="•"/>
-            </a:pPr>
-            <a:r>
-              <a:rPr lang="de-DE" dirty="0"/>
-              <a:t>neue Attribute hinzufügen</a:t>
-            </a:r>
-          </a:p>
-          <a:p>
-            <a:pPr marL="457200" indent="-457200">
-              <a:buFont typeface="Arial" panose="020B0604020202020204" pitchFamily="34" charset="0"/>
-              <a:buChar char="•"/>
-            </a:pPr>
-            <a:r>
-              <a:rPr lang="de-DE" dirty="0"/>
-              <a:t>neue </a:t>
-            </a:r>
-            <a:r>
               <a:rPr lang="de-DE" dirty="0" err="1"/>
               <a:t>Entities</a:t>
             </a:r>
             <a:r>
               <a:rPr lang="de-DE" dirty="0"/>
-              <a:t> erstellen</a:t>
-            </a:r>
-          </a:p>
-          <a:p>
-            <a:endParaRPr lang="en-US" dirty="0"/>
-          </a:p>
-          <a:p>
-            <a:pPr marL="457200" indent="-457200">
-              <a:buFont typeface="Arial" panose="020B0604020202020204" pitchFamily="34" charset="0"/>
-              <a:buChar char="•"/>
-            </a:pPr>
+              <a:t>, zu denen passende Stories gefunden werden oder die Entitäten als Daten exportiert werden</a:t>
+            </a:r>
             <a:endParaRPr lang="en-US" dirty="0"/>
           </a:p>
         </p:txBody>
@@ -5366,7 +5896,7 @@
     </p:spTree>
     <p:extLst>
       <p:ext uri="{BB962C8B-B14F-4D97-AF65-F5344CB8AC3E}">
-        <p14:creationId xmlns:p14="http://schemas.microsoft.com/office/powerpoint/2010/main" val="3084144496"/>
+        <p14:creationId xmlns:p14="http://schemas.microsoft.com/office/powerpoint/2010/main" val="2720316673"/>
       </p:ext>
     </p:extLst>
   </p:cSld>
